--- a/nms2/documentation/NMS 2.0 Documentation.pptx
+++ b/nms2/documentation/NMS 2.0 Documentation.pptx
@@ -3775,7 +3775,7 @@
             </a:pPr>
             <a:r>
               <a:rPr lang="en-US" sz="2800" dirty="0"/>
-              <a:t>See 2 Demo Video (Diagnostics)</a:t>
+              <a:t>See 2 Demo Video (Diagnostics) and 2.5 Demo Video (Smart Box)</a:t>
             </a:r>
             <a:endParaRPr lang="en-US" sz="3200" dirty="0"/>
           </a:p>
@@ -4033,14 +4033,19 @@
         </p:spPr>
         <p:txBody>
           <a:bodyPr>
-            <a:normAutofit/>
+            <a:normAutofit lnSpcReduction="10000"/>
           </a:bodyPr>
           <a:lstStyle/>
           <a:p>
-            <a:pPr marL="514350" indent="-514350">
-              <a:buFont typeface="+mj-lt"/>
-              <a:buAutoNum type="arabicPeriod"/>
-            </a:pPr>
+            <a:pPr marL="0" indent="0">
+              <a:buNone/>
+            </a:pPr>
+            <a:r>
+              <a:rPr lang="en-US" dirty="0"/>
+              <a:t>Depending on use case, use one of the following:</a:t>
+            </a:r>
+          </a:p>
+          <a:p>
             <a:r>
               <a:rPr lang="en-US" dirty="0"/>
               <a:t>Stop only </a:t>
@@ -4059,34 +4064,45 @@
             </a:r>
             <a:r>
               <a:rPr lang="en-US" dirty="0"/>
-              <a:t>.</a:t>
-            </a:r>
-          </a:p>
-          <a:p>
-            <a:pPr marL="514350" indent="-514350">
-              <a:buFont typeface="+mj-lt"/>
-              <a:buAutoNum type="arabicPeriod"/>
-            </a:pPr>
-            <a:r>
-              <a:rPr lang="en-US" dirty="0"/>
-              <a:t>Stop NMS 2.0 by entering “docker compose stop” in regular terminal/cmd.</a:t>
-            </a:r>
-          </a:p>
-          <a:p>
-            <a:pPr marL="514350" indent="-514350">
-              <a:buFont typeface="+mj-lt"/>
-              <a:buAutoNum type="arabicPeriod"/>
-            </a:pPr>
-            <a:r>
-              <a:rPr lang="en-US" dirty="0"/>
-              <a:t>Delete NMS 2.0 container (not local files) by entering “docker compose down” in regular terminal/cmd. </a:t>
-            </a:r>
-          </a:p>
-          <a:p>
-            <a:pPr marL="0" indent="0">
-              <a:buNone/>
-            </a:pPr>
-            <a:endParaRPr lang="en-US" dirty="0"/>
+              <a:t> (</a:t>
+            </a:r>
+            <a:r>
+              <a:rPr lang="en-US" dirty="0" err="1"/>
+              <a:t>KeyboardInterrupt</a:t>
+            </a:r>
+            <a:r>
+              <a:rPr lang="en-US" dirty="0"/>
+              <a:t> is coded to stop threads safely).</a:t>
+            </a:r>
+          </a:p>
+          <a:p>
+            <a:r>
+              <a:rPr lang="en-US" dirty="0"/>
+              <a:t>Stop NMS 2.0 by entering “docker compose stop” in regular terminal/</a:t>
+            </a:r>
+            <a:r>
+              <a:rPr lang="en-US" dirty="0" err="1"/>
+              <a:t>cmd</a:t>
+            </a:r>
+            <a:r>
+              <a:rPr lang="en-US" dirty="0"/>
+              <a:t>, then “docker compose start” to restart.</a:t>
+            </a:r>
+          </a:p>
+          <a:p>
+            <a:r>
+              <a:rPr lang="en-US" dirty="0"/>
+              <a:t>Delete NMS 2.0 container (not local files) by entering “docker compose down” in regular terminal/cmd.</a:t>
+            </a:r>
+          </a:p>
+          <a:p>
+            <a:pPr marL="0" indent="0">
+              <a:buNone/>
+            </a:pPr>
+            <a:r>
+              <a:rPr lang="en-US" dirty="0"/>
+              <a:t>You can now make changes to nms2 files, then “docker compose up” to rebuild the updated app and see the changes.</a:t>
+            </a:r>
           </a:p>
           <a:p>
             <a:pPr marL="0" indent="0">
@@ -9836,6 +9852,15 @@
 </file>
 
 <file path=customXml/item1.xml><?xml version="1.0" encoding="utf-8"?>
+<?mso-contentType ?>
+<FormTemplates xmlns="http://schemas.microsoft.com/sharepoint/v3/contenttype/forms">
+  <Display>DocumentLibraryForm</Display>
+  <Edit>DocumentLibraryForm</Edit>
+  <New>DocumentLibraryForm</New>
+</FormTemplates>
+</file>
+
+<file path=customXml/item2.xml><?xml version="1.0" encoding="utf-8"?>
 <ct:contentTypeSchema xmlns:ct="http://schemas.microsoft.com/office/2006/metadata/contentType" xmlns:ma="http://schemas.microsoft.com/office/2006/metadata/properties/metaAttributes" ct:_="" ma:_="" ma:contentTypeName="Document" ma:contentTypeID="0x0101002BC2E7C0E26D8647AB2D9DD50F0DB157" ma:contentTypeVersion="11" ma:contentTypeDescription="Create a new document." ma:contentTypeScope="" ma:versionID="6ae00aa7b052919d7ed237bb11919a51">
   <xsd:schema xmlns:xsd="http://www.w3.org/2001/XMLSchema" xmlns:xs="http://www.w3.org/2001/XMLSchema" xmlns:p="http://schemas.microsoft.com/office/2006/metadata/properties" xmlns:ns3="6eccf7f2-13af-4220-8c45-0e89defdf35a" targetNamespace="http://schemas.microsoft.com/office/2006/metadata/properties" ma:root="true" ma:fieldsID="80cb88855fd4c540a138a9e84def96d6" ns3:_="">
     <xsd:import namespace="6eccf7f2-13af-4220-8c45-0e89defdf35a"/>
@@ -10023,15 +10048,6 @@
 </ct:contentTypeSchema>
 </file>
 
-<file path=customXml/item2.xml><?xml version="1.0" encoding="utf-8"?>
-<?mso-contentType ?>
-<FormTemplates xmlns="http://schemas.microsoft.com/sharepoint/v3/contenttype/forms">
-  <Display>DocumentLibraryForm</Display>
-  <Edit>DocumentLibraryForm</Edit>
-  <New>DocumentLibraryForm</New>
-</FormTemplates>
-</file>
-
 <file path=customXml/item3.xml><?xml version="1.0" encoding="utf-8"?>
 <p:properties xmlns:p="http://schemas.microsoft.com/office/2006/metadata/properties" xmlns:xsi="http://www.w3.org/2001/XMLSchema-instance" xmlns:pc="http://schemas.microsoft.com/office/infopath/2007/PartnerControls">
   <documentManagement>
@@ -10041,6 +10057,14 @@
 </file>
 
 <file path=customXml/itemProps1.xml><?xml version="1.0" encoding="utf-8"?>
+<ds:datastoreItem xmlns:ds="http://schemas.openxmlformats.org/officeDocument/2006/customXml" ds:itemID="{CD1ED105-F357-4A27-AC76-1175157D0A3E}">
+  <ds:schemaRefs>
+    <ds:schemaRef ds:uri="http://schemas.microsoft.com/sharepoint/v3/contenttype/forms"/>
+  </ds:schemaRefs>
+</ds:datastoreItem>
+</file>
+
+<file path=customXml/itemProps2.xml><?xml version="1.0" encoding="utf-8"?>
 <ds:datastoreItem xmlns:ds="http://schemas.openxmlformats.org/officeDocument/2006/customXml" ds:itemID="{6501CD20-3BA1-4B82-BB13-9ACFD4FD95F7}">
   <ds:schemaRefs>
     <ds:schemaRef ds:uri="http://schemas.microsoft.com/office/2006/metadata/contentType"/>
@@ -10054,14 +10078,6 @@
     <ds:schemaRef ds:uri="http://purl.org/dc/elements/1.1/"/>
     <ds:schemaRef ds:uri="http://purl.org/dc/terms/"/>
     <ds:schemaRef ds:uri="http://schemas.microsoft.com/internal/obd"/>
-  </ds:schemaRefs>
-</ds:datastoreItem>
-</file>
-
-<file path=customXml/itemProps2.xml><?xml version="1.0" encoding="utf-8"?>
-<ds:datastoreItem xmlns:ds="http://schemas.openxmlformats.org/officeDocument/2006/customXml" ds:itemID="{CD1ED105-F357-4A27-AC76-1175157D0A3E}">
-  <ds:schemaRefs>
-    <ds:schemaRef ds:uri="http://schemas.microsoft.com/sharepoint/v3/contenttype/forms"/>
   </ds:schemaRefs>
 </ds:datastoreItem>
 </file>

--- a/nms2/documentation/NMS 2.0 Documentation.pptx
+++ b/nms2/documentation/NMS 2.0 Documentation.pptx
@@ -319,7 +319,7 @@
           <a:p>
             <a:fld id="{DEB99345-75A6-4419-93A9-ADC5A262BCE5}" type="datetimeFigureOut">
               <a:rPr lang="en-US" smtClean="0"/>
-              <a:t>5/8/2025</a:t>
+              <a:t>7/21/2025</a:t>
             </a:fld>
             <a:endParaRPr lang="en-US"/>
           </a:p>
@@ -517,7 +517,7 @@
           <a:p>
             <a:fld id="{DEB99345-75A6-4419-93A9-ADC5A262BCE5}" type="datetimeFigureOut">
               <a:rPr lang="en-US" smtClean="0"/>
-              <a:t>5/8/2025</a:t>
+              <a:t>7/21/2025</a:t>
             </a:fld>
             <a:endParaRPr lang="en-US"/>
           </a:p>
@@ -725,7 +725,7 @@
           <a:p>
             <a:fld id="{DEB99345-75A6-4419-93A9-ADC5A262BCE5}" type="datetimeFigureOut">
               <a:rPr lang="en-US" smtClean="0"/>
-              <a:t>5/8/2025</a:t>
+              <a:t>7/21/2025</a:t>
             </a:fld>
             <a:endParaRPr lang="en-US"/>
           </a:p>
@@ -923,7 +923,7 @@
           <a:p>
             <a:fld id="{DEB99345-75A6-4419-93A9-ADC5A262BCE5}" type="datetimeFigureOut">
               <a:rPr lang="en-US" smtClean="0"/>
-              <a:t>5/8/2025</a:t>
+              <a:t>7/21/2025</a:t>
             </a:fld>
             <a:endParaRPr lang="en-US"/>
           </a:p>
@@ -1198,7 +1198,7 @@
           <a:p>
             <a:fld id="{DEB99345-75A6-4419-93A9-ADC5A262BCE5}" type="datetimeFigureOut">
               <a:rPr lang="en-US" smtClean="0"/>
-              <a:t>5/8/2025</a:t>
+              <a:t>7/21/2025</a:t>
             </a:fld>
             <a:endParaRPr lang="en-US"/>
           </a:p>
@@ -1463,7 +1463,7 @@
           <a:p>
             <a:fld id="{DEB99345-75A6-4419-93A9-ADC5A262BCE5}" type="datetimeFigureOut">
               <a:rPr lang="en-US" smtClean="0"/>
-              <a:t>5/8/2025</a:t>
+              <a:t>7/21/2025</a:t>
             </a:fld>
             <a:endParaRPr lang="en-US"/>
           </a:p>
@@ -1875,7 +1875,7 @@
           <a:p>
             <a:fld id="{DEB99345-75A6-4419-93A9-ADC5A262BCE5}" type="datetimeFigureOut">
               <a:rPr lang="en-US" smtClean="0"/>
-              <a:t>5/8/2025</a:t>
+              <a:t>7/21/2025</a:t>
             </a:fld>
             <a:endParaRPr lang="en-US"/>
           </a:p>
@@ -2016,7 +2016,7 @@
           <a:p>
             <a:fld id="{DEB99345-75A6-4419-93A9-ADC5A262BCE5}" type="datetimeFigureOut">
               <a:rPr lang="en-US" smtClean="0"/>
-              <a:t>5/8/2025</a:t>
+              <a:t>7/21/2025</a:t>
             </a:fld>
             <a:endParaRPr lang="en-US"/>
           </a:p>
@@ -2129,7 +2129,7 @@
           <a:p>
             <a:fld id="{DEB99345-75A6-4419-93A9-ADC5A262BCE5}" type="datetimeFigureOut">
               <a:rPr lang="en-US" smtClean="0"/>
-              <a:t>5/8/2025</a:t>
+              <a:t>7/21/2025</a:t>
             </a:fld>
             <a:endParaRPr lang="en-US"/>
           </a:p>
@@ -2440,7 +2440,7 @@
           <a:p>
             <a:fld id="{DEB99345-75A6-4419-93A9-ADC5A262BCE5}" type="datetimeFigureOut">
               <a:rPr lang="en-US" smtClean="0"/>
-              <a:t>5/8/2025</a:t>
+              <a:t>7/21/2025</a:t>
             </a:fld>
             <a:endParaRPr lang="en-US"/>
           </a:p>
@@ -2728,7 +2728,7 @@
           <a:p>
             <a:fld id="{DEB99345-75A6-4419-93A9-ADC5A262BCE5}" type="datetimeFigureOut">
               <a:rPr lang="en-US" smtClean="0"/>
-              <a:t>5/8/2025</a:t>
+              <a:t>7/21/2025</a:t>
             </a:fld>
             <a:endParaRPr lang="en-US"/>
           </a:p>
@@ -2969,7 +2969,7 @@
           <a:p>
             <a:fld id="{DEB99345-75A6-4419-93A9-ADC5A262BCE5}" type="datetimeFigureOut">
               <a:rPr lang="en-US" smtClean="0"/>
-              <a:t>5/8/2025</a:t>
+              <a:t>7/21/2025</a:t>
             </a:fld>
             <a:endParaRPr lang="en-US"/>
           </a:p>
@@ -5194,19 +5194,17 @@
       </p:grpSpPr>
       <p:pic>
         <p:nvPicPr>
-          <p:cNvPr id="13" name="Content Placeholder 12" descr="A screenshot of a computer&#10;&#10;AI-generated content may be incorrect.">
-            <a:extLst>
-              <a:ext uri="{FF2B5EF4-FFF2-40B4-BE49-F238E27FC236}">
-                <a16:creationId xmlns:a16="http://schemas.microsoft.com/office/drawing/2014/main" id="{D53E04E6-3338-1D8D-DEA0-DA1AA7B25E19}"/>
+          <p:cNvPr id="6" name="Picture 5" descr="A screenshot of a computer&#10;&#10;AI-generated content may be incorrect.">
+            <a:extLst>
+              <a:ext uri="{FF2B5EF4-FFF2-40B4-BE49-F238E27FC236}">
+                <a16:creationId xmlns:a16="http://schemas.microsoft.com/office/drawing/2014/main" id="{6808BC84-B3DC-85EA-8F29-EEB0ECDC3109}"/>
               </a:ext>
             </a:extLst>
           </p:cNvPr>
           <p:cNvPicPr>
-            <a:picLocks noGrp="1" noChangeAspect="1"/>
+            <a:picLocks noChangeAspect="1"/>
           </p:cNvPicPr>
-          <p:nvPr>
-            <p:ph idx="1"/>
-          </p:nvPr>
+          <p:nvPr/>
         </p:nvPicPr>
         <p:blipFill>
           <a:blip r:embed="rId2">
@@ -5222,9 +5220,12 @@
         </p:blipFill>
         <p:spPr>
           <a:xfrm>
-            <a:off x="208119" y="1556259"/>
-            <a:ext cx="11775761" cy="4501449"/>
+            <a:off x="44967" y="1396415"/>
+            <a:ext cx="12102066" cy="4725301"/>
           </a:xfrm>
+          <a:prstGeom prst="rect">
+            <a:avLst/>
+          </a:prstGeom>
         </p:spPr>
       </p:pic>
       <p:sp>
@@ -8709,7 +8710,7 @@
               <a:buNone/>
             </a:pPr>
             <a:r>
-              <a:rPr lang="en-US"/>
+              <a:rPr lang="en-US" dirty="0"/>
               <a:t>{</a:t>
             </a:r>
           </a:p>
@@ -8718,15 +8719,15 @@
               <a:buNone/>
             </a:pPr>
             <a:r>
-              <a:rPr lang="en-US"/>
+              <a:rPr lang="en-US" dirty="0"/>
               <a:t>  "type": "</a:t>
             </a:r>
             <a:r>
-              <a:rPr lang="en-US" err="1"/>
+              <a:rPr lang="en-US" dirty="0" err="1"/>
               <a:t>command_reply</a:t>
             </a:r>
             <a:r>
-              <a:rPr lang="en-US"/>
+              <a:rPr lang="en-US" dirty="0"/>
               <a:t>",</a:t>
             </a:r>
           </a:p>
@@ -8735,7 +8736,7 @@
               <a:buNone/>
             </a:pPr>
             <a:r>
-              <a:rPr lang="en-US"/>
+              <a:rPr lang="en-US" dirty="0"/>
               <a:t>  "version": 1,</a:t>
             </a:r>
           </a:p>
@@ -8744,7 +8745,7 @@
               <a:buNone/>
             </a:pPr>
             <a:r>
-              <a:rPr lang="en-US"/>
+              <a:rPr lang="en-US" dirty="0"/>
               <a:t>  "session": "ec21db29-1e96-4ef7-ac7c-b59c75830cb5",</a:t>
             </a:r>
           </a:p>
@@ -8753,15 +8754,15 @@
               <a:buNone/>
             </a:pPr>
             <a:r>
-              <a:rPr lang="en-US"/>
+              <a:rPr lang="en-US" dirty="0"/>
               <a:t>  "</a:t>
             </a:r>
             <a:r>
-              <a:rPr lang="en-US" err="1"/>
+              <a:rPr lang="en-US" dirty="0" err="1"/>
               <a:t>deviceId</a:t>
             </a:r>
             <a:r>
-              <a:rPr lang="en-US"/>
+              <a:rPr lang="en-US" dirty="0"/>
               <a:t>": "smartBox_dcbbfa35c8e5fcd179f84118a2d00254",</a:t>
             </a:r>
           </a:p>
@@ -8770,7 +8771,7 @@
               <a:buNone/>
             </a:pPr>
             <a:r>
-              <a:rPr lang="en-US"/>
+              <a:rPr lang="en-US" dirty="0"/>
               <a:t>  "time": 1744777012,</a:t>
             </a:r>
           </a:p>
@@ -8779,7 +8780,7 @@
               <a:buNone/>
             </a:pPr>
             <a:r>
-              <a:rPr lang="en-US"/>
+              <a:rPr lang="en-US" dirty="0"/>
               <a:t>  "response": {</a:t>
             </a:r>
           </a:p>
@@ -8788,7 +8789,7 @@
               <a:buNone/>
             </a:pPr>
             <a:r>
-              <a:rPr lang="en-US"/>
+              <a:rPr lang="en-US" dirty="0"/>
               <a:t>    "code": 0,</a:t>
             </a:r>
           </a:p>
@@ -8797,7 +8798,7 @@
               <a:buNone/>
             </a:pPr>
             <a:r>
-              <a:rPr lang="en-US"/>
+              <a:rPr lang="en-US" dirty="0"/>
               <a:t>    "message": {</a:t>
             </a:r>
           </a:p>
@@ -8806,15 +8807,15 @@
               <a:buNone/>
             </a:pPr>
             <a:r>
-              <a:rPr lang="en-US"/>
+              <a:rPr lang="en-US" dirty="0"/>
               <a:t>      "</a:t>
             </a:r>
             <a:r>
-              <a:rPr lang="en-US" err="1"/>
+              <a:rPr lang="en-US" dirty="0" err="1"/>
               <a:t>dateTime</a:t>
             </a:r>
             <a:r>
-              <a:rPr lang="en-US"/>
+              <a:rPr lang="en-US" dirty="0"/>
               <a:t>": 1744805812,</a:t>
             </a:r>
           </a:p>
@@ -8823,15 +8824,15 @@
               <a:buNone/>
             </a:pPr>
             <a:r>
-              <a:rPr lang="en-US"/>
+              <a:rPr lang="en-US" dirty="0"/>
               <a:t>      "</a:t>
             </a:r>
             <a:r>
-              <a:rPr lang="en-US" err="1"/>
+              <a:rPr lang="en-US" dirty="0" err="1"/>
               <a:t>runTime</a:t>
             </a:r>
             <a:r>
-              <a:rPr lang="en-US"/>
+              <a:rPr lang="en-US" dirty="0"/>
               <a:t>": 7925,</a:t>
             </a:r>
           </a:p>
@@ -8840,15 +8841,15 @@
               <a:buNone/>
             </a:pPr>
             <a:r>
-              <a:rPr lang="en-US"/>
+              <a:rPr lang="en-US" dirty="0"/>
               <a:t>      "</a:t>
             </a:r>
             <a:r>
-              <a:rPr lang="en-US" err="1"/>
+              <a:rPr lang="en-US" dirty="0" err="1"/>
               <a:t>cpuUsaged</a:t>
             </a:r>
             <a:r>
-              <a:rPr lang="en-US"/>
+              <a:rPr lang="en-US" dirty="0"/>
               <a:t>": 9797,</a:t>
             </a:r>
           </a:p>
@@ -8857,15 +8858,15 @@
               <a:buNone/>
             </a:pPr>
             <a:r>
-              <a:rPr lang="en-US"/>
+              <a:rPr lang="en-US" dirty="0"/>
               <a:t>      "</a:t>
             </a:r>
             <a:r>
-              <a:rPr lang="en-US" err="1"/>
+              <a:rPr lang="en-US" dirty="0" err="1"/>
               <a:t>memTotalSize</a:t>
             </a:r>
             <a:r>
-              <a:rPr lang="en-US"/>
+              <a:rPr lang="en-US" dirty="0"/>
               <a:t>": 246452,</a:t>
             </a:r>
           </a:p>
@@ -8874,15 +8875,15 @@
               <a:buNone/>
             </a:pPr>
             <a:r>
-              <a:rPr lang="en-US"/>
+              <a:rPr lang="en-US" dirty="0"/>
               <a:t>      "</a:t>
             </a:r>
             <a:r>
-              <a:rPr lang="en-US" err="1"/>
+              <a:rPr lang="en-US" dirty="0" err="1"/>
               <a:t>memFreeSize</a:t>
             </a:r>
             <a:r>
-              <a:rPr lang="en-US"/>
+              <a:rPr lang="en-US" dirty="0"/>
               <a:t>": 173616,</a:t>
             </a:r>
           </a:p>
@@ -8891,15 +8892,15 @@
               <a:buNone/>
             </a:pPr>
             <a:r>
-              <a:rPr lang="en-US"/>
+              <a:rPr lang="en-US" dirty="0"/>
               <a:t>      "</a:t>
             </a:r>
             <a:r>
-              <a:rPr lang="en-US" err="1"/>
+              <a:rPr lang="en-US" dirty="0" err="1"/>
               <a:t>memUsaged</a:t>
             </a:r>
             <a:r>
-              <a:rPr lang="en-US"/>
+              <a:rPr lang="en-US" dirty="0"/>
               <a:t>": 2955,</a:t>
             </a:r>
           </a:p>
@@ -8908,15 +8909,15 @@
               <a:buNone/>
             </a:pPr>
             <a:r>
-              <a:rPr lang="en-US"/>
+              <a:rPr lang="en-US" dirty="0"/>
               <a:t>      "</a:t>
             </a:r>
             <a:r>
-              <a:rPr lang="en-US" err="1"/>
+              <a:rPr lang="en-US" dirty="0" err="1"/>
               <a:t>storageTotalSize</a:t>
             </a:r>
             <a:r>
-              <a:rPr lang="en-US"/>
+              <a:rPr lang="en-US" dirty="0"/>
               <a:t>": 1997240,</a:t>
             </a:r>
           </a:p>
@@ -8925,15 +8926,15 @@
               <a:buNone/>
             </a:pPr>
             <a:r>
-              <a:rPr lang="en-US"/>
+              <a:rPr lang="en-US" dirty="0"/>
               <a:t>      "</a:t>
             </a:r>
             <a:r>
-              <a:rPr lang="en-US" err="1"/>
+              <a:rPr lang="en-US" dirty="0" err="1"/>
               <a:t>storageFreeSize</a:t>
             </a:r>
             <a:r>
-              <a:rPr lang="en-US"/>
+              <a:rPr lang="en-US" dirty="0"/>
               <a:t>": 1990896,</a:t>
             </a:r>
           </a:p>
@@ -8942,15 +8943,15 @@
               <a:buNone/>
             </a:pPr>
             <a:r>
-              <a:rPr lang="en-US"/>
+              <a:rPr lang="en-US" dirty="0"/>
               <a:t>      "</a:t>
             </a:r>
             <a:r>
-              <a:rPr lang="en-US" err="1"/>
+              <a:rPr lang="en-US" dirty="0" err="1"/>
               <a:t>storageUsaged</a:t>
             </a:r>
             <a:r>
-              <a:rPr lang="en-US"/>
+              <a:rPr lang="en-US" dirty="0"/>
               <a:t>": 31,</a:t>
             </a:r>
           </a:p>
@@ -8959,7 +8960,7 @@
               <a:buNone/>
             </a:pPr>
             <a:r>
-              <a:rPr lang="en-US"/>
+              <a:rPr lang="en-US" dirty="0"/>
               <a:t>      "temperature": 29,</a:t>
             </a:r>
           </a:p>
@@ -8968,15 +8969,15 @@
               <a:buNone/>
             </a:pPr>
             <a:r>
-              <a:rPr lang="en-US"/>
+              <a:rPr lang="en-US" dirty="0"/>
               <a:t>      "</a:t>
             </a:r>
             <a:r>
-              <a:rPr lang="en-US" err="1"/>
+              <a:rPr lang="en-US" dirty="0" err="1"/>
               <a:t>humitidy</a:t>
             </a:r>
             <a:r>
-              <a:rPr lang="en-US"/>
+              <a:rPr lang="en-US" dirty="0"/>
               <a:t>": 51,</a:t>
             </a:r>
           </a:p>
@@ -8985,15 +8986,15 @@
               <a:buNone/>
             </a:pPr>
             <a:r>
-              <a:rPr lang="en-US"/>
+              <a:rPr lang="en-US" dirty="0"/>
               <a:t>      "</a:t>
             </a:r>
             <a:r>
-              <a:rPr lang="en-US" err="1"/>
+              <a:rPr lang="en-US" dirty="0" err="1"/>
               <a:t>poeRealPower</a:t>
             </a:r>
             <a:r>
-              <a:rPr lang="en-US"/>
+              <a:rPr lang="en-US" dirty="0"/>
               <a:t>": 0</a:t>
             </a:r>
           </a:p>
@@ -9002,7 +9003,7 @@
               <a:buNone/>
             </a:pPr>
             <a:r>
-              <a:rPr lang="en-US"/>
+              <a:rPr lang="en-US" dirty="0"/>
               <a:t>    }</a:t>
             </a:r>
           </a:p>
@@ -9011,7 +9012,7 @@
               <a:buNone/>
             </a:pPr>
             <a:r>
-              <a:rPr lang="en-US"/>
+              <a:rPr lang="en-US" dirty="0"/>
               <a:t>  }</a:t>
             </a:r>
           </a:p>
@@ -9020,7 +9021,7 @@
               <a:buNone/>
             </a:pPr>
             <a:r>
-              <a:rPr lang="en-US"/>
+              <a:rPr lang="en-US" dirty="0"/>
               <a:t>}</a:t>
             </a:r>
           </a:p>
@@ -9852,15 +9853,6 @@
 </file>
 
 <file path=customXml/item1.xml><?xml version="1.0" encoding="utf-8"?>
-<?mso-contentType ?>
-<FormTemplates xmlns="http://schemas.microsoft.com/sharepoint/v3/contenttype/forms">
-  <Display>DocumentLibraryForm</Display>
-  <Edit>DocumentLibraryForm</Edit>
-  <New>DocumentLibraryForm</New>
-</FormTemplates>
-</file>
-
-<file path=customXml/item2.xml><?xml version="1.0" encoding="utf-8"?>
 <ct:contentTypeSchema xmlns:ct="http://schemas.microsoft.com/office/2006/metadata/contentType" xmlns:ma="http://schemas.microsoft.com/office/2006/metadata/properties/metaAttributes" ct:_="" ma:_="" ma:contentTypeName="Document" ma:contentTypeID="0x0101002BC2E7C0E26D8647AB2D9DD50F0DB157" ma:contentTypeVersion="11" ma:contentTypeDescription="Create a new document." ma:contentTypeScope="" ma:versionID="6ae00aa7b052919d7ed237bb11919a51">
   <xsd:schema xmlns:xsd="http://www.w3.org/2001/XMLSchema" xmlns:xs="http://www.w3.org/2001/XMLSchema" xmlns:p="http://schemas.microsoft.com/office/2006/metadata/properties" xmlns:ns3="6eccf7f2-13af-4220-8c45-0e89defdf35a" targetNamespace="http://schemas.microsoft.com/office/2006/metadata/properties" ma:root="true" ma:fieldsID="80cb88855fd4c540a138a9e84def96d6" ns3:_="">
     <xsd:import namespace="6eccf7f2-13af-4220-8c45-0e89defdf35a"/>
@@ -10048,6 +10040,15 @@
 </ct:contentTypeSchema>
 </file>
 
+<file path=customXml/item2.xml><?xml version="1.0" encoding="utf-8"?>
+<?mso-contentType ?>
+<FormTemplates xmlns="http://schemas.microsoft.com/sharepoint/v3/contenttype/forms">
+  <Display>DocumentLibraryForm</Display>
+  <Edit>DocumentLibraryForm</Edit>
+  <New>DocumentLibraryForm</New>
+</FormTemplates>
+</file>
+
 <file path=customXml/item3.xml><?xml version="1.0" encoding="utf-8"?>
 <p:properties xmlns:p="http://schemas.microsoft.com/office/2006/metadata/properties" xmlns:xsi="http://www.w3.org/2001/XMLSchema-instance" xmlns:pc="http://schemas.microsoft.com/office/infopath/2007/PartnerControls">
   <documentManagement>
@@ -10057,14 +10058,6 @@
 </file>
 
 <file path=customXml/itemProps1.xml><?xml version="1.0" encoding="utf-8"?>
-<ds:datastoreItem xmlns:ds="http://schemas.openxmlformats.org/officeDocument/2006/customXml" ds:itemID="{CD1ED105-F357-4A27-AC76-1175157D0A3E}">
-  <ds:schemaRefs>
-    <ds:schemaRef ds:uri="http://schemas.microsoft.com/sharepoint/v3/contenttype/forms"/>
-  </ds:schemaRefs>
-</ds:datastoreItem>
-</file>
-
-<file path=customXml/itemProps2.xml><?xml version="1.0" encoding="utf-8"?>
 <ds:datastoreItem xmlns:ds="http://schemas.openxmlformats.org/officeDocument/2006/customXml" ds:itemID="{6501CD20-3BA1-4B82-BB13-9ACFD4FD95F7}">
   <ds:schemaRefs>
     <ds:schemaRef ds:uri="http://schemas.microsoft.com/office/2006/metadata/contentType"/>
@@ -10078,6 +10071,14 @@
     <ds:schemaRef ds:uri="http://purl.org/dc/elements/1.1/"/>
     <ds:schemaRef ds:uri="http://purl.org/dc/terms/"/>
     <ds:schemaRef ds:uri="http://schemas.microsoft.com/internal/obd"/>
+  </ds:schemaRefs>
+</ds:datastoreItem>
+</file>
+
+<file path=customXml/itemProps2.xml><?xml version="1.0" encoding="utf-8"?>
+<ds:datastoreItem xmlns:ds="http://schemas.openxmlformats.org/officeDocument/2006/customXml" ds:itemID="{CD1ED105-F357-4A27-AC76-1175157D0A3E}">
+  <ds:schemaRefs>
+    <ds:schemaRef ds:uri="http://schemas.microsoft.com/sharepoint/v3/contenttype/forms"/>
   </ds:schemaRefs>
 </ds:datastoreItem>
 </file>
